--- a/01_요구사항 실습/SW 요구사항 분석 및 설계_6조.pptx
+++ b/01_요구사항 실습/SW 요구사항 분석 및 설계_6조.pptx
@@ -233,7 +233,7 @@
                 <a:latin typeface="프리젠테이션 7 Bold" pitchFamily="2" charset="-127"/>
                 <a:ea typeface="프리젠테이션 7 Bold" pitchFamily="2" charset="-127"/>
               </a:rPr>
-              <a:t>2025. 1. 20.</a:t>
+              <a:t>2025. 1. 21.</a:t>
             </a:fld>
             <a:endParaRPr lang="ko-KR" altLang="en-US" dirty="0">
               <a:latin typeface="프리젠테이션 7 Bold" pitchFamily="2" charset="-127"/>
@@ -417,7 +417,7 @@
             <a:fld id="{725F075A-3C9E-41AC-8981-A520D7FBA881}" type="datetimeFigureOut">
               <a:rPr lang="ko-KR" altLang="en-US" smtClean="0"/>
               <a:pPr/>
-              <a:t>2025. 1. 20.</a:t>
+              <a:t>2025. 1. 21.</a:t>
             </a:fld>
             <a:endParaRPr lang="ko-KR" altLang="en-US" dirty="0"/>
           </a:p>
@@ -16336,31 +16336,42 @@
           </a:p>
         </p:txBody>
       </p:sp>
-      <p:sp>
-        <p:nvSpPr>
-          <p:cNvPr id="3" name="텍스트 개체 틀 2">
+      <p:pic>
+        <p:nvPicPr>
+          <p:cNvPr id="5" name="그림 4" descr="도표, 라인, 텍스트, 그래프이(가) 표시된 사진&#10;&#10;AI가 생성한 콘텐츠는 부정확할 수 있습니다.">
             <a:extLst>
               <a:ext uri="{FF2B5EF4-FFF2-40B4-BE49-F238E27FC236}">
-                <a16:creationId xmlns:a16="http://schemas.microsoft.com/office/drawing/2014/main" id="{AD20F2F1-F7A1-10AB-420D-56EED598579F}"/>
+                <a16:creationId xmlns:a16="http://schemas.microsoft.com/office/drawing/2014/main" id="{18EFB58F-F1FB-DDE6-AD34-6C6CF911ED24}"/>
               </a:ext>
             </a:extLst>
           </p:cNvPr>
-          <p:cNvSpPr>
-            <a:spLocks noGrp="1"/>
-          </p:cNvSpPr>
-          <p:nvPr>
-            <p:ph type="body" sz="quarter" idx="10"/>
-          </p:nvPr>
-        </p:nvSpPr>
-        <p:spPr/>
-        <p:txBody>
-          <a:bodyPr/>
-          <a:lstStyle/>
-          <a:p>
-            <a:endParaRPr lang="ko-KR" altLang="en-US"/>
-          </a:p>
-        </p:txBody>
-      </p:sp>
+          <p:cNvPicPr>
+            <a:picLocks noChangeAspect="1"/>
+          </p:cNvPicPr>
+          <p:nvPr/>
+        </p:nvPicPr>
+        <p:blipFill>
+          <a:blip r:embed="rId2">
+            <a:extLst>
+              <a:ext uri="{28A0092B-C50C-407E-A947-70E740481C1C}">
+                <a14:useLocalDpi xmlns:a14="http://schemas.microsoft.com/office/drawing/2010/main" val="0"/>
+              </a:ext>
+            </a:extLst>
+          </a:blip>
+          <a:stretch>
+            <a:fillRect/>
+          </a:stretch>
+        </p:blipFill>
+        <p:spPr>
+          <a:xfrm>
+            <a:off x="2222500" y="1130300"/>
+            <a:ext cx="7747000" cy="4597400"/>
+          </a:xfrm>
+          <a:prstGeom prst="rect">
+            <a:avLst/>
+          </a:prstGeom>
+        </p:spPr>
+      </p:pic>
     </p:spTree>
     <p:extLst>
       <p:ext uri="{BB962C8B-B14F-4D97-AF65-F5344CB8AC3E}">

--- a/01_요구사항 실습/SW 요구사항 분석 및 설계_6조.pptx
+++ b/01_요구사항 실습/SW 요구사항 분석 및 설계_6조.pptx
@@ -233,7 +233,7 @@
                 <a:latin typeface="프리젠테이션 7 Bold" pitchFamily="2" charset="-127"/>
                 <a:ea typeface="프리젠테이션 7 Bold" pitchFamily="2" charset="-127"/>
               </a:rPr>
-              <a:t>2025. 1. 21.</a:t>
+              <a:t>2025. 1. 22.</a:t>
             </a:fld>
             <a:endParaRPr lang="ko-KR" altLang="en-US" dirty="0">
               <a:latin typeface="프리젠테이션 7 Bold" pitchFamily="2" charset="-127"/>
@@ -417,7 +417,7 @@
             <a:fld id="{725F075A-3C9E-41AC-8981-A520D7FBA881}" type="datetimeFigureOut">
               <a:rPr lang="ko-KR" altLang="en-US" smtClean="0"/>
               <a:pPr/>
-              <a:t>2025. 1. 21.</a:t>
+              <a:t>2025. 1. 22.</a:t>
             </a:fld>
             <a:endParaRPr lang="ko-KR" altLang="en-US" dirty="0"/>
           </a:p>
@@ -16473,14 +16473,14 @@
           <p:nvPr>
             <p:extLst>
               <p:ext uri="{D42A27DB-BD31-4B8C-83A1-F6EECF244321}">
-                <p14:modId xmlns:p14="http://schemas.microsoft.com/office/powerpoint/2010/main" val="3003549151"/>
+                <p14:modId xmlns:p14="http://schemas.microsoft.com/office/powerpoint/2010/main" val="353815268"/>
               </p:ext>
             </p:extLst>
           </p:nvPr>
         </p:nvGraphicFramePr>
         <p:xfrm>
           <a:off x="485458" y="760169"/>
-          <a:ext cx="11170248" cy="5683242"/>
+          <a:ext cx="11170248" cy="4508492"/>
         </p:xfrm>
         <a:graphic>
           <a:graphicData uri="http://schemas.openxmlformats.org/drawingml/2006/table">
@@ -16736,31 +16736,43 @@
                         </a:spcBef>
                       </a:pPr>
                       <a:r>
-                        <a:rPr lang="ko-KR" altLang="en-US" sz="1200" dirty="0">
-                          <a:latin typeface="맑은 고딕"/>
-                          <a:cs typeface="맑은 고딕"/>
-                        </a:rPr>
-                        <a:t>메신저를 사용하기 위해 로그인을 하거나</a:t>
+                        <a:rPr lang="ko-KR" altLang="en-US" sz="1200" dirty="0"/>
+                        <a:t>전자식 </a:t>
                       </a:r>
                       <a:r>
-                        <a:rPr lang="en-US" altLang="ko-KR" sz="1200" dirty="0">
-                          <a:latin typeface="맑은 고딕"/>
-                          <a:cs typeface="맑은 고딕"/>
-                        </a:rPr>
+                        <a:rPr lang="ko-KR" altLang="en-US" sz="1200" dirty="0" err="1"/>
+                        <a:t>차일드</a:t>
+                      </a:r>
+                      <a:r>
+                        <a:rPr lang="ko-KR" altLang="en-US" sz="1200" dirty="0"/>
+                        <a:t> </a:t>
+                      </a:r>
+                      <a:r>
+                        <a:rPr lang="ko-KR" altLang="en-US" sz="1200" dirty="0" err="1"/>
+                        <a:t>락</a:t>
+                      </a:r>
+                      <a:r>
+                        <a:rPr lang="ko-KR" altLang="en-US" sz="1200" dirty="0"/>
+                        <a:t> 시스템을 </a:t>
+                      </a:r>
+                      <a:r>
+                        <a:rPr lang="en" altLang="ko-KR" sz="1200" dirty="0"/>
+                        <a:t>OFF</a:t>
+                      </a:r>
+                      <a:r>
+                        <a:rPr lang="ko-KR" altLang="en-US" sz="1200" dirty="0"/>
+                        <a:t>하여</a:t>
+                      </a:r>
+                      <a:r>
+                        <a:rPr lang="en-US" altLang="ko-KR" sz="1200" dirty="0"/>
                         <a:t>, </a:t>
                       </a:r>
                       <a:r>
-                        <a:rPr lang="ko-KR" altLang="en-US" sz="1200" dirty="0">
-                          <a:latin typeface="맑은 고딕"/>
-                          <a:cs typeface="맑은 고딕"/>
-                        </a:rPr>
-                        <a:t>메신저 사용 종료를 위해 로그아웃을 한다</a:t>
+                        <a:rPr lang="ko-KR" altLang="en-US" sz="1200" dirty="0"/>
+                        <a:t>수동으로 문을 제어할 수 있게 한다</a:t>
                       </a:r>
                       <a:r>
-                        <a:rPr lang="en-US" altLang="ko-KR" sz="1200" dirty="0">
-                          <a:latin typeface="맑은 고딕"/>
-                          <a:cs typeface="맑은 고딕"/>
-                        </a:rPr>
+                        <a:rPr lang="en-US" altLang="ko-KR" sz="1200" dirty="0"/>
                         <a:t>.</a:t>
                       </a:r>
                       <a:endParaRPr lang="en-US" sz="1200" dirty="0">
@@ -16921,11 +16933,28 @@
                         <a:defRPr/>
                       </a:pPr>
                       <a:r>
-                        <a:rPr lang="ko-KR" altLang="en-US" sz="1200" dirty="0">
-                          <a:latin typeface="맑은 고딕"/>
-                          <a:cs typeface="맑은 고딕"/>
-                        </a:rPr>
-                        <a:t>로그인 및 로그아웃</a:t>
+                        <a:rPr lang="ko-KR" altLang="en-US" sz="1200" dirty="0"/>
+                        <a:t>전자식 </a:t>
+                      </a:r>
+                      <a:r>
+                        <a:rPr lang="ko-KR" altLang="en-US" sz="1200" dirty="0" err="1"/>
+                        <a:t>차일드</a:t>
+                      </a:r>
+                      <a:r>
+                        <a:rPr lang="ko-KR" altLang="en-US" sz="1200" dirty="0"/>
+                        <a:t> </a:t>
+                      </a:r>
+                      <a:r>
+                        <a:rPr lang="ko-KR" altLang="en-US" sz="1200" dirty="0" err="1"/>
+                        <a:t>락</a:t>
+                      </a:r>
+                      <a:r>
+                        <a:rPr lang="ko-KR" altLang="en-US" sz="1200" dirty="0"/>
+                        <a:t> 시스템 </a:t>
+                      </a:r>
+                      <a:r>
+                        <a:rPr lang="en" altLang="ko-KR" sz="1200" dirty="0"/>
+                        <a:t>ON/OFF</a:t>
                       </a:r>
                       <a:endParaRPr lang="en-US" altLang="ko-KR" sz="1200" dirty="0">
                         <a:latin typeface="맑은 고딕"/>
@@ -17056,17 +17085,11 @@
                         </a:spcBef>
                       </a:pPr>
                       <a:r>
-                        <a:rPr lang="ko-KR" altLang="en-US" sz="1200" dirty="0">
-                          <a:latin typeface="맑은 고딕"/>
-                          <a:cs typeface="맑은 고딕"/>
-                        </a:rPr>
-                        <a:t>프로그램을 실행시킨다</a:t>
+                        <a:rPr lang="ko-KR" altLang="en-US" sz="1200" dirty="0"/>
+                        <a:t>수동 전환 버튼과 문 제어 시스템은 정상 작동한다</a:t>
                       </a:r>
                       <a:r>
-                        <a:rPr lang="en-US" altLang="ko-KR" sz="1200" dirty="0">
-                          <a:latin typeface="맑은 고딕"/>
-                          <a:cs typeface="맑은 고딕"/>
-                        </a:rPr>
+                        <a:rPr lang="en-US" altLang="ko-KR" sz="1200" dirty="0"/>
                         <a:t>.</a:t>
                       </a:r>
                       <a:endParaRPr sz="1200" dirty="0">
@@ -17192,17 +17215,11 @@
                         </a:spcBef>
                       </a:pPr>
                       <a:r>
-                        <a:rPr lang="ko-KR" altLang="en-US" sz="1200" dirty="0">
-                          <a:latin typeface="맑은 고딕"/>
-                          <a:cs typeface="맑은 고딕"/>
-                        </a:rPr>
-                        <a:t>메인 화면이 실행된다</a:t>
+                        <a:rPr lang="ko-KR" altLang="en-US" sz="1200" dirty="0"/>
+                        <a:t>문을 사용자가 수동으로 제어할 수 있다</a:t>
                       </a:r>
                       <a:r>
-                        <a:rPr lang="en-US" altLang="ko-KR" sz="1200" dirty="0">
-                          <a:latin typeface="맑은 고딕"/>
-                          <a:cs typeface="맑은 고딕"/>
-                        </a:rPr>
+                        <a:rPr lang="en-US" altLang="ko-KR" sz="1200" dirty="0"/>
                         <a:t>.</a:t>
                       </a:r>
                       <a:endParaRPr sz="1200" dirty="0">
@@ -17328,11 +17345,12 @@
                         </a:spcBef>
                       </a:pPr>
                       <a:r>
-                        <a:rPr lang="ko-KR" altLang="en-US" sz="1200" dirty="0">
-                          <a:latin typeface="맑은 고딕"/>
-                          <a:cs typeface="맑은 고딕"/>
-                        </a:rPr>
-                        <a:t>로그인 버튼 클릭</a:t>
+                        <a:rPr lang="ko-KR" altLang="en-US" sz="1200" dirty="0"/>
+                        <a:t>수동 전환 버튼 누른다</a:t>
+                      </a:r>
+                      <a:r>
+                        <a:rPr lang="en-US" altLang="ko-KR" sz="1200" dirty="0"/>
+                        <a:t>.</a:t>
                       </a:r>
                       <a:endParaRPr sz="1200" dirty="0">
                         <a:latin typeface="맑은 고딕"/>
@@ -17687,11 +17705,12 @@
                         <a:t>1. </a:t>
                       </a:r>
                       <a:r>
-                        <a:rPr lang="ko-KR" altLang="en-US" sz="1200" dirty="0">
-                          <a:latin typeface="맑은 고딕"/>
-                          <a:cs typeface="맑은 고딕"/>
-                        </a:rPr>
-                        <a:t>사용자가 시동 버튼을 누른다</a:t>
+                        <a:rPr lang="ko-KR" altLang="en-US" sz="1200" dirty="0"/>
+                        <a:t>사용자가 수동 전환 버튼 누른다</a:t>
+                      </a:r>
+                      <a:r>
+                        <a:rPr lang="en-US" altLang="ko-KR" sz="1200" dirty="0"/>
+                        <a:t>.</a:t>
                       </a:r>
                       <a:endParaRPr sz="1200" dirty="0">
                         <a:latin typeface="맑은 고딕"/>
@@ -17847,13 +17866,6 @@
                           <a:tab pos="240665" algn="l"/>
                         </a:tabLst>
                       </a:pPr>
-                      <a:r>
-                        <a:rPr lang="en-US" sz="1200" dirty="0">
-                          <a:latin typeface="맑은 고딕"/>
-                          <a:cs typeface="맑은 고딕"/>
-                        </a:rPr>
-                        <a:t>2.</a:t>
-                      </a:r>
                       <a:endParaRPr sz="1200" dirty="0">
                         <a:latin typeface="맑은 고딕"/>
                         <a:cs typeface="맑은 고딕"/>
@@ -17917,11 +17929,19 @@
                         </a:tabLst>
                       </a:pPr>
                       <a:r>
-                        <a:rPr lang="en-US" sz="1200" dirty="0">
+                        <a:rPr lang="en-US" altLang="ko-KR" sz="1200" dirty="0">
                           <a:latin typeface="맑은 고딕"/>
                           <a:cs typeface="맑은 고딕"/>
                         </a:rPr>
-                        <a:t>2A</a:t>
+                        <a:t>1B. </a:t>
+                      </a:r>
+                      <a:r>
+                        <a:rPr lang="ko-KR" altLang="en-US" sz="1200" dirty="0"/>
+                        <a:t>시스템이 요청을 판단한다</a:t>
+                      </a:r>
+                      <a:r>
+                        <a:rPr lang="en-US" altLang="ko-KR" sz="1200" dirty="0"/>
+                        <a:t>.</a:t>
                       </a:r>
                       <a:endParaRPr sz="1200" dirty="0">
                         <a:latin typeface="맑은 고딕"/>
@@ -18053,19 +18073,34 @@
                     <a:bodyPr/>
                     <a:lstStyle/>
                     <a:p>
-                      <a:pPr marL="240029" indent="-172720">
+                      <a:pPr marL="295909" marR="0" lvl="0" indent="-228600" algn="l" defTabSz="914400" rtl="0" eaLnBrk="1" fontAlgn="auto" latinLnBrk="1" hangingPunct="1">
                         <a:lnSpc>
                           <a:spcPts val="1430"/>
                         </a:lnSpc>
                         <a:spcBef>
                           <a:spcPts val="350"/>
                         </a:spcBef>
-                        <a:buAutoNum type="arabicPeriod"/>
+                        <a:spcAft>
+                          <a:spcPts val="0"/>
+                        </a:spcAft>
+                        <a:buClrTx/>
+                        <a:buSzTx/>
+                        <a:buFont typeface="+mj-lt"/>
+                        <a:buAutoNum type="arabicPeriod" startAt="2"/>
                         <a:tabLst>
                           <a:tab pos="240665" algn="l"/>
                         </a:tabLst>
+                        <a:defRPr/>
                       </a:pPr>
-                      <a:endParaRPr sz="1200" dirty="0">
+                      <a:r>
+                        <a:rPr lang="ko-KR" altLang="en-US" sz="1200" dirty="0"/>
+                        <a:t>시스템이 판단한 결과를 문 제어 시스템에 전송한다</a:t>
+                      </a:r>
+                      <a:r>
+                        <a:rPr lang="en-US" altLang="ko-KR" sz="1200" dirty="0"/>
+                        <a:t>.</a:t>
+                      </a:r>
+                      <a:endParaRPr lang="ko-KR" altLang="en-US" sz="1200" dirty="0">
                         <a:latin typeface="맑은 고딕"/>
                         <a:cs typeface="맑은 고딕"/>
                       </a:endParaRPr>
@@ -18398,7 +18433,7 @@
                 </a:extLst>
               </a:tr>
               <a:tr h="244558">
-                <a:tc rowSpan="5">
+                <a:tc>
                   <a:txBody>
                     <a:bodyPr/>
                     <a:lstStyle/>
@@ -18480,7 +18515,7 @@
                     </a:solidFill>
                   </a:tcPr>
                 </a:tc>
-                <a:tc>
+                <a:tc gridSpan="2">
                   <a:txBody>
                     <a:bodyPr/>
                     <a:lstStyle/>
@@ -18493,6 +18528,45 @@
                           <a:spcPts val="560"/>
                         </a:spcBef>
                       </a:pPr>
+                      <a:r>
+                        <a:rPr lang="ko-KR" altLang="en-US" sz="1200" dirty="0"/>
+                        <a:t>수동 전환 요청이 들어왔는데</a:t>
+                      </a:r>
+                      <a:r>
+                        <a:rPr lang="en-US" altLang="ko-KR" sz="1200" dirty="0"/>
+                        <a:t>, </a:t>
+                      </a:r>
+                      <a:r>
+                        <a:rPr lang="ko-KR" altLang="en-US" sz="1200" dirty="0"/>
+                        <a:t>오작동이 해결된 경우</a:t>
+                      </a:r>
+                      <a:r>
+                        <a:rPr lang="en-US" altLang="ko-KR" sz="1200" dirty="0"/>
+                        <a:t>(=</a:t>
+                      </a:r>
+                      <a:r>
+                        <a:rPr lang="ko-KR" altLang="en-US" sz="1200" dirty="0"/>
+                        <a:t>문이 열림</a:t>
+                      </a:r>
+                      <a:r>
+                        <a:rPr lang="en-US" altLang="ko-KR" sz="1200" dirty="0"/>
+                        <a:t>)</a:t>
+                      </a:r>
+                      <a:br>
+                        <a:rPr lang="en-US" altLang="ko-KR" sz="1200" dirty="0"/>
+                      </a:br>
+                      <a:r>
+                        <a:rPr lang="en-US" altLang="ko-KR" sz="1200" dirty="0"/>
+                        <a:t>-&gt; </a:t>
+                      </a:r>
+                      <a:r>
+                        <a:rPr lang="en" altLang="ko-KR" sz="1200" dirty="0"/>
+                        <a:t>skip. 2</a:t>
+                      </a:r>
+                      <a:r>
+                        <a:rPr lang="ko-KR" altLang="en-US" sz="1200" dirty="0"/>
+                        <a:t>단계</a:t>
+                      </a:r>
                       <a:endParaRPr sz="1200" dirty="0">
                         <a:latin typeface="맑은 고딕"/>
                         <a:cs typeface="맑은 고딕"/>
@@ -18506,14 +18580,11 @@
                       </a:solidFill>
                       <a:prstDash val="solid"/>
                     </a:lnL>
-                    <a:lnR w="9525" cap="flat" cmpd="sng" algn="ctr">
+                    <a:lnR w="9525">
                       <a:solidFill>
                         <a:srgbClr val="000000"/>
                       </a:solidFill>
                       <a:prstDash val="solid"/>
-                      <a:round/>
-                      <a:headEnd type="none" w="med" len="med"/>
-                      <a:tailEnd type="none" w="med" len="med"/>
                     </a:lnR>
                     <a:lnT w="9525">
                       <a:solidFill>
@@ -18532,7 +18603,7 @@
                     </a:lnB>
                   </a:tcPr>
                 </a:tc>
-                <a:tc>
+                <a:tc hMerge="1">
                   <a:txBody>
                     <a:bodyPr/>
                     <a:lstStyle/>
@@ -18593,541 +18664,8 @@
                   </a:ext>
                 </a:extLst>
               </a:tr>
-              <a:tr h="244558">
-                <a:tc vMerge="1">
-                  <a:txBody>
-                    <a:bodyPr/>
-                    <a:lstStyle/>
-                    <a:p>
-                      <a:pPr latinLnBrk="1"/>
-                      <a:endParaRPr lang="ko-KR" altLang="en-US"/>
-                    </a:p>
-                  </a:txBody>
-                  <a:tcPr/>
-                </a:tc>
-                <a:tc>
-                  <a:txBody>
-                    <a:bodyPr/>
-                    <a:lstStyle/>
-                    <a:p>
-                      <a:pPr marL="176530" marR="1360170" indent="-107950">
-                        <a:lnSpc>
-                          <a:spcPts val="1390"/>
-                        </a:lnSpc>
-                        <a:spcBef>
-                          <a:spcPts val="560"/>
-                        </a:spcBef>
-                      </a:pPr>
-                      <a:endParaRPr sz="1200" dirty="0">
-                        <a:latin typeface="맑은 고딕"/>
-                        <a:cs typeface="맑은 고딕"/>
-                      </a:endParaRPr>
-                    </a:p>
-                  </a:txBody>
-                  <a:tcPr marL="0" marR="0" marT="71120" marB="0">
-                    <a:lnL w="9525" cap="flat" cmpd="sng" algn="ctr">
-                      <a:solidFill>
-                        <a:srgbClr val="000000"/>
-                      </a:solidFill>
-                      <a:prstDash val="solid"/>
-                      <a:round/>
-                      <a:headEnd type="none" w="med" len="med"/>
-                      <a:tailEnd type="none" w="med" len="med"/>
-                    </a:lnL>
-                    <a:lnR w="9525" cap="flat" cmpd="sng" algn="ctr">
-                      <a:solidFill>
-                        <a:srgbClr val="000000"/>
-                      </a:solidFill>
-                      <a:prstDash val="solid"/>
-                      <a:round/>
-                      <a:headEnd type="none" w="med" len="med"/>
-                      <a:tailEnd type="none" w="med" len="med"/>
-                    </a:lnR>
-                    <a:lnT w="9525" cap="flat" cmpd="sng" algn="ctr">
-                      <a:solidFill>
-                        <a:srgbClr val="000000"/>
-                      </a:solidFill>
-                      <a:prstDash val="solid"/>
-                      <a:round/>
-                      <a:headEnd type="none" w="med" len="med"/>
-                      <a:tailEnd type="none" w="med" len="med"/>
-                    </a:lnT>
-                    <a:lnB w="9525" cap="flat" cmpd="sng" algn="ctr">
-                      <a:solidFill>
-                        <a:srgbClr val="000000"/>
-                      </a:solidFill>
-                      <a:prstDash val="solid"/>
-                      <a:round/>
-                      <a:headEnd type="none" w="med" len="med"/>
-                      <a:tailEnd type="none" w="med" len="med"/>
-                    </a:lnB>
-                  </a:tcPr>
-                </a:tc>
-                <a:tc>
-                  <a:txBody>
-                    <a:bodyPr/>
-                    <a:lstStyle/>
-                    <a:p>
-                      <a:pPr marL="176530" marR="1360170" indent="-107950">
-                        <a:lnSpc>
-                          <a:spcPts val="1390"/>
-                        </a:lnSpc>
-                        <a:spcBef>
-                          <a:spcPts val="560"/>
-                        </a:spcBef>
-                      </a:pPr>
-                      <a:endParaRPr sz="1200" dirty="0">
-                        <a:latin typeface="맑은 고딕"/>
-                        <a:cs typeface="맑은 고딕"/>
-                      </a:endParaRPr>
-                    </a:p>
-                  </a:txBody>
-                  <a:tcPr marL="0" marR="0" marT="71120" marB="0">
-                    <a:lnL w="9525" cap="flat" cmpd="sng" algn="ctr">
-                      <a:solidFill>
-                        <a:srgbClr val="000000"/>
-                      </a:solidFill>
-                      <a:prstDash val="solid"/>
-                      <a:round/>
-                      <a:headEnd type="none" w="med" len="med"/>
-                      <a:tailEnd type="none" w="med" len="med"/>
-                    </a:lnL>
-                    <a:lnR w="9525" cap="flat" cmpd="sng" algn="ctr">
-                      <a:solidFill>
-                        <a:srgbClr val="000000"/>
-                      </a:solidFill>
-                      <a:prstDash val="solid"/>
-                      <a:round/>
-                      <a:headEnd type="none" w="med" len="med"/>
-                      <a:tailEnd type="none" w="med" len="med"/>
-                    </a:lnR>
-                    <a:lnT w="9525" cap="flat" cmpd="sng" algn="ctr">
-                      <a:solidFill>
-                        <a:srgbClr val="000000"/>
-                      </a:solidFill>
-                      <a:prstDash val="solid"/>
-                      <a:round/>
-                      <a:headEnd type="none" w="med" len="med"/>
-                      <a:tailEnd type="none" w="med" len="med"/>
-                    </a:lnT>
-                    <a:lnB w="9525" cap="flat" cmpd="sng" algn="ctr">
-                      <a:solidFill>
-                        <a:srgbClr val="000000"/>
-                      </a:solidFill>
-                      <a:prstDash val="solid"/>
-                      <a:round/>
-                      <a:headEnd type="none" w="med" len="med"/>
-                      <a:tailEnd type="none" w="med" len="med"/>
-                    </a:lnB>
-                  </a:tcPr>
-                </a:tc>
-                <a:extLst>
-                  <a:ext uri="{0D108BD9-81ED-4DB2-BD59-A6C34878D82A}">
-                    <a16:rowId xmlns:a16="http://schemas.microsoft.com/office/drawing/2014/main" val="2270306197"/>
-                  </a:ext>
-                </a:extLst>
-              </a:tr>
-              <a:tr h="244558">
-                <a:tc vMerge="1">
-                  <a:txBody>
-                    <a:bodyPr/>
-                    <a:lstStyle/>
-                    <a:p>
-                      <a:pPr latinLnBrk="1"/>
-                      <a:endParaRPr lang="ko-KR" altLang="en-US"/>
-                    </a:p>
-                  </a:txBody>
-                  <a:tcPr/>
-                </a:tc>
-                <a:tc>
-                  <a:txBody>
-                    <a:bodyPr/>
-                    <a:lstStyle/>
-                    <a:p>
-                      <a:pPr marL="176530" marR="1360170" indent="-107950">
-                        <a:lnSpc>
-                          <a:spcPts val="1390"/>
-                        </a:lnSpc>
-                        <a:spcBef>
-                          <a:spcPts val="560"/>
-                        </a:spcBef>
-                      </a:pPr>
-                      <a:endParaRPr sz="1200" dirty="0">
-                        <a:latin typeface="맑은 고딕"/>
-                        <a:cs typeface="맑은 고딕"/>
-                      </a:endParaRPr>
-                    </a:p>
-                  </a:txBody>
-                  <a:tcPr marL="0" marR="0" marT="71120" marB="0">
-                    <a:lnL w="9525" cap="flat" cmpd="sng" algn="ctr">
-                      <a:solidFill>
-                        <a:srgbClr val="000000"/>
-                      </a:solidFill>
-                      <a:prstDash val="solid"/>
-                      <a:round/>
-                      <a:headEnd type="none" w="med" len="med"/>
-                      <a:tailEnd type="none" w="med" len="med"/>
-                    </a:lnL>
-                    <a:lnR w="9525" cap="flat" cmpd="sng" algn="ctr">
-                      <a:solidFill>
-                        <a:srgbClr val="000000"/>
-                      </a:solidFill>
-                      <a:prstDash val="solid"/>
-                      <a:round/>
-                      <a:headEnd type="none" w="med" len="med"/>
-                      <a:tailEnd type="none" w="med" len="med"/>
-                    </a:lnR>
-                    <a:lnT w="9525" cap="flat" cmpd="sng" algn="ctr">
-                      <a:solidFill>
-                        <a:srgbClr val="000000"/>
-                      </a:solidFill>
-                      <a:prstDash val="solid"/>
-                      <a:round/>
-                      <a:headEnd type="none" w="med" len="med"/>
-                      <a:tailEnd type="none" w="med" len="med"/>
-                    </a:lnT>
-                    <a:lnB w="9525" cap="flat" cmpd="sng" algn="ctr">
-                      <a:solidFill>
-                        <a:srgbClr val="000000"/>
-                      </a:solidFill>
-                      <a:prstDash val="solid"/>
-                      <a:round/>
-                      <a:headEnd type="none" w="med" len="med"/>
-                      <a:tailEnd type="none" w="med" len="med"/>
-                    </a:lnB>
-                  </a:tcPr>
-                </a:tc>
-                <a:tc>
-                  <a:txBody>
-                    <a:bodyPr/>
-                    <a:lstStyle/>
-                    <a:p>
-                      <a:pPr marL="176530" marR="1360170" indent="-107950">
-                        <a:lnSpc>
-                          <a:spcPts val="1390"/>
-                        </a:lnSpc>
-                        <a:spcBef>
-                          <a:spcPts val="560"/>
-                        </a:spcBef>
-                      </a:pPr>
-                      <a:endParaRPr sz="1200" dirty="0">
-                        <a:latin typeface="맑은 고딕"/>
-                        <a:cs typeface="맑은 고딕"/>
-                      </a:endParaRPr>
-                    </a:p>
-                  </a:txBody>
-                  <a:tcPr marL="0" marR="0" marT="71120" marB="0">
-                    <a:lnL w="9525" cap="flat" cmpd="sng" algn="ctr">
-                      <a:solidFill>
-                        <a:srgbClr val="000000"/>
-                      </a:solidFill>
-                      <a:prstDash val="solid"/>
-                      <a:round/>
-                      <a:headEnd type="none" w="med" len="med"/>
-                      <a:tailEnd type="none" w="med" len="med"/>
-                    </a:lnL>
-                    <a:lnR w="9525" cap="flat" cmpd="sng" algn="ctr">
-                      <a:solidFill>
-                        <a:srgbClr val="000000"/>
-                      </a:solidFill>
-                      <a:prstDash val="solid"/>
-                      <a:round/>
-                      <a:headEnd type="none" w="med" len="med"/>
-                      <a:tailEnd type="none" w="med" len="med"/>
-                    </a:lnR>
-                    <a:lnT w="9525" cap="flat" cmpd="sng" algn="ctr">
-                      <a:solidFill>
-                        <a:srgbClr val="000000"/>
-                      </a:solidFill>
-                      <a:prstDash val="solid"/>
-                      <a:round/>
-                      <a:headEnd type="none" w="med" len="med"/>
-                      <a:tailEnd type="none" w="med" len="med"/>
-                    </a:lnT>
-                    <a:lnB w="9525" cap="flat" cmpd="sng" algn="ctr">
-                      <a:solidFill>
-                        <a:srgbClr val="000000"/>
-                      </a:solidFill>
-                      <a:prstDash val="solid"/>
-                      <a:round/>
-                      <a:headEnd type="none" w="med" len="med"/>
-                      <a:tailEnd type="none" w="med" len="med"/>
-                    </a:lnB>
-                  </a:tcPr>
-                </a:tc>
-                <a:extLst>
-                  <a:ext uri="{0D108BD9-81ED-4DB2-BD59-A6C34878D82A}">
-                    <a16:rowId xmlns:a16="http://schemas.microsoft.com/office/drawing/2014/main" val="2406507935"/>
-                  </a:ext>
-                </a:extLst>
-              </a:tr>
-              <a:tr h="244558">
-                <a:tc vMerge="1">
-                  <a:txBody>
-                    <a:bodyPr/>
-                    <a:lstStyle/>
-                    <a:p>
-                      <a:pPr latinLnBrk="1"/>
-                      <a:endParaRPr lang="ko-KR" altLang="en-US"/>
-                    </a:p>
-                  </a:txBody>
-                  <a:tcPr/>
-                </a:tc>
-                <a:tc>
-                  <a:txBody>
-                    <a:bodyPr/>
-                    <a:lstStyle/>
-                    <a:p>
-                      <a:pPr marL="176530" marR="1360170" indent="-107950">
-                        <a:lnSpc>
-                          <a:spcPts val="1390"/>
-                        </a:lnSpc>
-                        <a:spcBef>
-                          <a:spcPts val="560"/>
-                        </a:spcBef>
-                      </a:pPr>
-                      <a:endParaRPr sz="1200" dirty="0">
-                        <a:latin typeface="맑은 고딕"/>
-                        <a:cs typeface="맑은 고딕"/>
-                      </a:endParaRPr>
-                    </a:p>
-                  </a:txBody>
-                  <a:tcPr marL="0" marR="0" marT="71120" marB="0">
-                    <a:lnL w="9525" cap="flat" cmpd="sng" algn="ctr">
-                      <a:solidFill>
-                        <a:srgbClr val="000000"/>
-                      </a:solidFill>
-                      <a:prstDash val="solid"/>
-                      <a:round/>
-                      <a:headEnd type="none" w="med" len="med"/>
-                      <a:tailEnd type="none" w="med" len="med"/>
-                    </a:lnL>
-                    <a:lnR w="9525" cap="flat" cmpd="sng" algn="ctr">
-                      <a:solidFill>
-                        <a:srgbClr val="000000"/>
-                      </a:solidFill>
-                      <a:prstDash val="solid"/>
-                      <a:round/>
-                      <a:headEnd type="none" w="med" len="med"/>
-                      <a:tailEnd type="none" w="med" len="med"/>
-                    </a:lnR>
-                    <a:lnT w="9525" cap="flat" cmpd="sng" algn="ctr">
-                      <a:solidFill>
-                        <a:srgbClr val="000000"/>
-                      </a:solidFill>
-                      <a:prstDash val="solid"/>
-                      <a:round/>
-                      <a:headEnd type="none" w="med" len="med"/>
-                      <a:tailEnd type="none" w="med" len="med"/>
-                    </a:lnT>
-                    <a:lnB w="9525" cap="flat" cmpd="sng" algn="ctr">
-                      <a:solidFill>
-                        <a:srgbClr val="000000"/>
-                      </a:solidFill>
-                      <a:prstDash val="solid"/>
-                      <a:round/>
-                      <a:headEnd type="none" w="med" len="med"/>
-                      <a:tailEnd type="none" w="med" len="med"/>
-                    </a:lnB>
-                  </a:tcPr>
-                </a:tc>
-                <a:tc>
-                  <a:txBody>
-                    <a:bodyPr/>
-                    <a:lstStyle/>
-                    <a:p>
-                      <a:pPr marL="176530" marR="1360170" indent="-107950">
-                        <a:lnSpc>
-                          <a:spcPts val="1390"/>
-                        </a:lnSpc>
-                        <a:spcBef>
-                          <a:spcPts val="560"/>
-                        </a:spcBef>
-                      </a:pPr>
-                      <a:endParaRPr sz="1200" dirty="0">
-                        <a:latin typeface="맑은 고딕"/>
-                        <a:cs typeface="맑은 고딕"/>
-                      </a:endParaRPr>
-                    </a:p>
-                  </a:txBody>
-                  <a:tcPr marL="0" marR="0" marT="71120" marB="0">
-                    <a:lnL w="9525" cap="flat" cmpd="sng" algn="ctr">
-                      <a:solidFill>
-                        <a:srgbClr val="000000"/>
-                      </a:solidFill>
-                      <a:prstDash val="solid"/>
-                      <a:round/>
-                      <a:headEnd type="none" w="med" len="med"/>
-                      <a:tailEnd type="none" w="med" len="med"/>
-                    </a:lnL>
-                    <a:lnR w="9525" cap="flat" cmpd="sng" algn="ctr">
-                      <a:solidFill>
-                        <a:srgbClr val="000000"/>
-                      </a:solidFill>
-                      <a:prstDash val="solid"/>
-                      <a:round/>
-                      <a:headEnd type="none" w="med" len="med"/>
-                      <a:tailEnd type="none" w="med" len="med"/>
-                    </a:lnR>
-                    <a:lnT w="9525" cap="flat" cmpd="sng" algn="ctr">
-                      <a:solidFill>
-                        <a:srgbClr val="000000"/>
-                      </a:solidFill>
-                      <a:prstDash val="solid"/>
-                      <a:round/>
-                      <a:headEnd type="none" w="med" len="med"/>
-                      <a:tailEnd type="none" w="med" len="med"/>
-                    </a:lnT>
-                    <a:lnB w="9525" cap="flat" cmpd="sng" algn="ctr">
-                      <a:solidFill>
-                        <a:srgbClr val="000000"/>
-                      </a:solidFill>
-                      <a:prstDash val="solid"/>
-                      <a:round/>
-                      <a:headEnd type="none" w="med" len="med"/>
-                      <a:tailEnd type="none" w="med" len="med"/>
-                    </a:lnB>
-                  </a:tcPr>
-                </a:tc>
-                <a:extLst>
-                  <a:ext uri="{0D108BD9-81ED-4DB2-BD59-A6C34878D82A}">
-                    <a16:rowId xmlns:a16="http://schemas.microsoft.com/office/drawing/2014/main" val="2519220"/>
-                  </a:ext>
-                </a:extLst>
-              </a:tr>
-              <a:tr h="244558">
-                <a:tc vMerge="1">
-                  <a:txBody>
-                    <a:bodyPr/>
-                    <a:lstStyle/>
-                    <a:p>
-                      <a:pPr latinLnBrk="1"/>
-                      <a:endParaRPr lang="ko-KR" altLang="en-US"/>
-                    </a:p>
-                  </a:txBody>
-                  <a:tcPr/>
-                </a:tc>
-                <a:tc>
-                  <a:txBody>
-                    <a:bodyPr/>
-                    <a:lstStyle/>
-                    <a:p>
-                      <a:pPr marL="176530" marR="1360170" indent="-107950">
-                        <a:lnSpc>
-                          <a:spcPts val="1390"/>
-                        </a:lnSpc>
-                        <a:spcBef>
-                          <a:spcPts val="560"/>
-                        </a:spcBef>
-                      </a:pPr>
-                      <a:endParaRPr sz="1200" dirty="0">
-                        <a:latin typeface="맑은 고딕"/>
-                        <a:cs typeface="맑은 고딕"/>
-                      </a:endParaRPr>
-                    </a:p>
-                  </a:txBody>
-                  <a:tcPr marL="0" marR="0" marT="71120" marB="0">
-                    <a:lnL w="9525" cap="flat" cmpd="sng" algn="ctr">
-                      <a:solidFill>
-                        <a:srgbClr val="000000"/>
-                      </a:solidFill>
-                      <a:prstDash val="solid"/>
-                      <a:round/>
-                      <a:headEnd type="none" w="med" len="med"/>
-                      <a:tailEnd type="none" w="med" len="med"/>
-                    </a:lnL>
-                    <a:lnR w="9525" cap="flat" cmpd="sng" algn="ctr">
-                      <a:solidFill>
-                        <a:srgbClr val="000000"/>
-                      </a:solidFill>
-                      <a:prstDash val="solid"/>
-                      <a:round/>
-                      <a:headEnd type="none" w="med" len="med"/>
-                      <a:tailEnd type="none" w="med" len="med"/>
-                    </a:lnR>
-                    <a:lnT w="9525" cap="flat" cmpd="sng" algn="ctr">
-                      <a:solidFill>
-                        <a:srgbClr val="000000"/>
-                      </a:solidFill>
-                      <a:prstDash val="solid"/>
-                      <a:round/>
-                      <a:headEnd type="none" w="med" len="med"/>
-                      <a:tailEnd type="none" w="med" len="med"/>
-                    </a:lnT>
-                    <a:lnB w="9525">
-                      <a:solidFill>
-                        <a:srgbClr val="000000"/>
-                      </a:solidFill>
-                      <a:prstDash val="solid"/>
-                    </a:lnB>
-                  </a:tcPr>
-                </a:tc>
-                <a:tc>
-                  <a:txBody>
-                    <a:bodyPr/>
-                    <a:lstStyle/>
-                    <a:p>
-                      <a:pPr marL="176530" marR="1360170" indent="-107950">
-                        <a:lnSpc>
-                          <a:spcPts val="1390"/>
-                        </a:lnSpc>
-                        <a:spcBef>
-                          <a:spcPts val="560"/>
-                        </a:spcBef>
-                      </a:pPr>
-                      <a:endParaRPr sz="1200" dirty="0">
-                        <a:latin typeface="맑은 고딕"/>
-                        <a:cs typeface="맑은 고딕"/>
-                      </a:endParaRPr>
-                    </a:p>
-                  </a:txBody>
-                  <a:tcPr marL="0" marR="0" marT="71120" marB="0">
-                    <a:lnL w="9525" cap="flat" cmpd="sng" algn="ctr">
-                      <a:solidFill>
-                        <a:srgbClr val="000000"/>
-                      </a:solidFill>
-                      <a:prstDash val="solid"/>
-                      <a:round/>
-                      <a:headEnd type="none" w="med" len="med"/>
-                      <a:tailEnd type="none" w="med" len="med"/>
-                    </a:lnL>
-                    <a:lnR w="9525" cap="flat" cmpd="sng" algn="ctr">
-                      <a:solidFill>
-                        <a:srgbClr val="000000"/>
-                      </a:solidFill>
-                      <a:prstDash val="solid"/>
-                      <a:round/>
-                      <a:headEnd type="none" w="med" len="med"/>
-                      <a:tailEnd type="none" w="med" len="med"/>
-                    </a:lnR>
-                    <a:lnT w="9525" cap="flat" cmpd="sng" algn="ctr">
-                      <a:solidFill>
-                        <a:srgbClr val="000000"/>
-                      </a:solidFill>
-                      <a:prstDash val="solid"/>
-                      <a:round/>
-                      <a:headEnd type="none" w="med" len="med"/>
-                      <a:tailEnd type="none" w="med" len="med"/>
-                    </a:lnT>
-                    <a:lnB w="9525" cap="flat" cmpd="sng" algn="ctr">
-                      <a:solidFill>
-                        <a:srgbClr val="000000"/>
-                      </a:solidFill>
-                      <a:prstDash val="solid"/>
-                      <a:round/>
-                      <a:headEnd type="none" w="med" len="med"/>
-                      <a:tailEnd type="none" w="med" len="med"/>
-                    </a:lnB>
-                  </a:tcPr>
-                </a:tc>
-                <a:extLst>
-                  <a:ext uri="{0D108BD9-81ED-4DB2-BD59-A6C34878D82A}">
-                    <a16:rowId xmlns:a16="http://schemas.microsoft.com/office/drawing/2014/main" val="1525051659"/>
-                  </a:ext>
-                </a:extLst>
-              </a:tr>
               <a:tr h="233329">
-                <a:tc rowSpan="5">
+                <a:tc rowSpan="2">
                   <a:txBody>
                     <a:bodyPr/>
                     <a:lstStyle/>
@@ -19205,20 +18743,40 @@
                     </a:solidFill>
                   </a:tcPr>
                 </a:tc>
-                <a:tc>
+                <a:tc gridSpan="2">
                   <a:txBody>
                     <a:bodyPr/>
                     <a:lstStyle/>
                     <a:p>
-                      <a:pPr marL="296545" indent="-228600">
+                      <a:pPr marL="67945" indent="0">
                         <a:lnSpc>
                           <a:spcPts val="1415"/>
                         </a:lnSpc>
                         <a:spcBef>
                           <a:spcPts val="470"/>
                         </a:spcBef>
-                        <a:buAutoNum type="arabicPeriod"/>
+                        <a:buFontTx/>
+                        <a:buNone/>
                       </a:pPr>
+                      <a:r>
+                        <a:rPr lang="ko-KR" altLang="en-US" sz="1200" dirty="0"/>
+                        <a:t>수동 전환 요청 인지 실패한 경우</a:t>
+                      </a:r>
+                      <a:br>
+                        <a:rPr lang="en-US" altLang="ko-KR" sz="1200" dirty="0"/>
+                      </a:br>
+                      <a:r>
+                        <a:rPr lang="en-US" altLang="ko-KR" sz="1200" dirty="0"/>
+                        <a:t>-&gt; </a:t>
+                      </a:r>
+                      <a:r>
+                        <a:rPr lang="ko-KR" altLang="en-US" sz="1200" dirty="0"/>
+                        <a:t>문 제어 시스템에 결과를 전송한다</a:t>
+                      </a:r>
+                      <a:r>
+                        <a:rPr lang="en-US" altLang="ko-KR" sz="1200" dirty="0"/>
+                        <a:t>.</a:t>
+                      </a:r>
                       <a:endParaRPr sz="1200" dirty="0">
                         <a:latin typeface="맑은 고딕"/>
                         <a:cs typeface="맑은 고딕"/>
@@ -19235,14 +18793,11 @@
                       <a:headEnd type="none" w="med" len="med"/>
                       <a:tailEnd type="none" w="med" len="med"/>
                     </a:lnL>
-                    <a:lnR w="9525" cap="flat" cmpd="sng" algn="ctr">
+                    <a:lnR w="9525">
                       <a:solidFill>
                         <a:srgbClr val="000000"/>
                       </a:solidFill>
                       <a:prstDash val="solid"/>
-                      <a:round/>
-                      <a:headEnd type="none" w="med" len="med"/>
-                      <a:tailEnd type="none" w="med" len="med"/>
                     </a:lnR>
                     <a:lnT w="9525" cap="flat" cmpd="sng" algn="ctr">
                       <a:solidFill>
@@ -19264,7 +18819,7 @@
                     </a:lnB>
                   </a:tcPr>
                 </a:tc>
-                <a:tc>
+                <a:tc hMerge="1">
                   <a:txBody>
                     <a:bodyPr/>
                     <a:lstStyle/>
@@ -19338,20 +18893,40 @@
                   </a:txBody>
                   <a:tcPr/>
                 </a:tc>
-                <a:tc>
+                <a:tc gridSpan="2">
                   <a:txBody>
                     <a:bodyPr/>
                     <a:lstStyle/>
                     <a:p>
-                      <a:pPr marL="296545" indent="-228600">
+                      <a:pPr marL="67945" indent="0">
                         <a:lnSpc>
                           <a:spcPts val="1415"/>
                         </a:lnSpc>
                         <a:spcBef>
                           <a:spcPts val="470"/>
                         </a:spcBef>
-                        <a:buAutoNum type="arabicPeriod"/>
+                        <a:buFontTx/>
+                        <a:buNone/>
                       </a:pPr>
+                      <a:r>
+                        <a:rPr lang="ko-KR" altLang="en-US" sz="1200" dirty="0"/>
+                        <a:t>수동 전환 요청 판단 실패한 경우</a:t>
+                      </a:r>
+                      <a:br>
+                        <a:rPr lang="en-US" altLang="ko-KR" sz="1200" dirty="0"/>
+                      </a:br>
+                      <a:r>
+                        <a:rPr lang="en-US" altLang="ko-KR" sz="1200" dirty="0"/>
+                        <a:t>-&gt; </a:t>
+                      </a:r>
+                      <a:r>
+                        <a:rPr lang="ko-KR" altLang="en-US" sz="1200" dirty="0"/>
+                        <a:t>문 제어 시스템에 결과를 전송한다</a:t>
+                      </a:r>
+                      <a:r>
+                        <a:rPr lang="en-US" altLang="ko-KR" sz="1200"/>
+                        <a:t>.</a:t>
+                      </a:r>
                       <a:endParaRPr sz="1200" dirty="0">
                         <a:latin typeface="맑은 고딕"/>
                         <a:cs typeface="맑은 고딕"/>
@@ -19397,7 +18972,7 @@
                     </a:lnB>
                   </a:tcPr>
                 </a:tc>
-                <a:tc>
+                <a:tc hMerge="1">
                   <a:txBody>
                     <a:bodyPr/>
                     <a:lstStyle/>
@@ -19459,411 +19034,6 @@
                 <a:extLst>
                   <a:ext uri="{0D108BD9-81ED-4DB2-BD59-A6C34878D82A}">
                     <a16:rowId xmlns:a16="http://schemas.microsoft.com/office/drawing/2014/main" val="3463846349"/>
-                  </a:ext>
-                </a:extLst>
-              </a:tr>
-              <a:tr h="233329">
-                <a:tc vMerge="1">
-                  <a:txBody>
-                    <a:bodyPr/>
-                    <a:lstStyle/>
-                    <a:p>
-                      <a:pPr latinLnBrk="1"/>
-                      <a:endParaRPr lang="ko-KR" altLang="en-US"/>
-                    </a:p>
-                  </a:txBody>
-                  <a:tcPr/>
-                </a:tc>
-                <a:tc>
-                  <a:txBody>
-                    <a:bodyPr/>
-                    <a:lstStyle/>
-                    <a:p>
-                      <a:pPr marL="296545" indent="-228600">
-                        <a:lnSpc>
-                          <a:spcPts val="1415"/>
-                        </a:lnSpc>
-                        <a:spcBef>
-                          <a:spcPts val="470"/>
-                        </a:spcBef>
-                        <a:buAutoNum type="arabicPeriod"/>
-                      </a:pPr>
-                      <a:endParaRPr sz="1200" dirty="0">
-                        <a:latin typeface="맑은 고딕"/>
-                        <a:cs typeface="맑은 고딕"/>
-                      </a:endParaRPr>
-                    </a:p>
-                  </a:txBody>
-                  <a:tcPr marL="0" marR="0" marT="59690" marB="0">
-                    <a:lnL w="9525" cap="flat" cmpd="sng" algn="ctr">
-                      <a:solidFill>
-                        <a:srgbClr val="000000"/>
-                      </a:solidFill>
-                      <a:prstDash val="solid"/>
-                      <a:round/>
-                      <a:headEnd type="none" w="med" len="med"/>
-                      <a:tailEnd type="none" w="med" len="med"/>
-                    </a:lnL>
-                    <a:lnR w="9525" cap="flat" cmpd="sng" algn="ctr">
-                      <a:solidFill>
-                        <a:srgbClr val="000000"/>
-                      </a:solidFill>
-                      <a:prstDash val="solid"/>
-                      <a:round/>
-                      <a:headEnd type="none" w="med" len="med"/>
-                      <a:tailEnd type="none" w="med" len="med"/>
-                    </a:lnR>
-                    <a:lnT w="9525" cap="flat" cmpd="sng" algn="ctr">
-                      <a:solidFill>
-                        <a:srgbClr val="000000"/>
-                      </a:solidFill>
-                      <a:prstDash val="solid"/>
-                      <a:round/>
-                      <a:headEnd type="none" w="med" len="med"/>
-                      <a:tailEnd type="none" w="med" len="med"/>
-                    </a:lnT>
-                    <a:lnB w="9525" cap="flat" cmpd="sng" algn="ctr">
-                      <a:solidFill>
-                        <a:srgbClr val="000000"/>
-                      </a:solidFill>
-                      <a:prstDash val="solid"/>
-                      <a:round/>
-                      <a:headEnd type="none" w="med" len="med"/>
-                      <a:tailEnd type="none" w="med" len="med"/>
-                    </a:lnB>
-                  </a:tcPr>
-                </a:tc>
-                <a:tc>
-                  <a:txBody>
-                    <a:bodyPr/>
-                    <a:lstStyle/>
-                    <a:p>
-                      <a:pPr marL="67945" indent="0">
-                        <a:lnSpc>
-                          <a:spcPts val="1415"/>
-                        </a:lnSpc>
-                        <a:spcBef>
-                          <a:spcPts val="470"/>
-                        </a:spcBef>
-                        <a:buNone/>
-                      </a:pPr>
-                      <a:endParaRPr sz="1200" dirty="0">
-                        <a:latin typeface="맑은 고딕"/>
-                        <a:cs typeface="맑은 고딕"/>
-                      </a:endParaRPr>
-                    </a:p>
-                  </a:txBody>
-                  <a:tcPr marL="0" marR="0" marT="59690" marB="0">
-                    <a:lnL w="9525" cap="flat" cmpd="sng" algn="ctr">
-                      <a:solidFill>
-                        <a:srgbClr val="000000"/>
-                      </a:solidFill>
-                      <a:prstDash val="solid"/>
-                      <a:round/>
-                      <a:headEnd type="none" w="med" len="med"/>
-                      <a:tailEnd type="none" w="med" len="med"/>
-                    </a:lnL>
-                    <a:lnR w="9525" cap="flat" cmpd="sng" algn="ctr">
-                      <a:solidFill>
-                        <a:srgbClr val="000000"/>
-                      </a:solidFill>
-                      <a:prstDash val="solid"/>
-                      <a:round/>
-                      <a:headEnd type="none" w="med" len="med"/>
-                      <a:tailEnd type="none" w="med" len="med"/>
-                    </a:lnR>
-                    <a:lnT w="9525" cap="flat" cmpd="sng" algn="ctr">
-                      <a:solidFill>
-                        <a:srgbClr val="000000"/>
-                      </a:solidFill>
-                      <a:prstDash val="solid"/>
-                      <a:round/>
-                      <a:headEnd type="none" w="med" len="med"/>
-                      <a:tailEnd type="none" w="med" len="med"/>
-                    </a:lnT>
-                    <a:lnB w="9525" cap="flat" cmpd="sng" algn="ctr">
-                      <a:solidFill>
-                        <a:srgbClr val="000000"/>
-                      </a:solidFill>
-                      <a:prstDash val="solid"/>
-                      <a:round/>
-                      <a:headEnd type="none" w="med" len="med"/>
-                      <a:tailEnd type="none" w="med" len="med"/>
-                    </a:lnB>
-                  </a:tcPr>
-                </a:tc>
-                <a:extLst>
-                  <a:ext uri="{0D108BD9-81ED-4DB2-BD59-A6C34878D82A}">
-                    <a16:rowId xmlns:a16="http://schemas.microsoft.com/office/drawing/2014/main" val="3856322938"/>
-                  </a:ext>
-                </a:extLst>
-              </a:tr>
-              <a:tr h="233329">
-                <a:tc vMerge="1">
-                  <a:txBody>
-                    <a:bodyPr/>
-                    <a:lstStyle/>
-                    <a:p>
-                      <a:pPr latinLnBrk="1"/>
-                      <a:endParaRPr lang="ko-KR" altLang="en-US"/>
-                    </a:p>
-                  </a:txBody>
-                  <a:tcPr/>
-                </a:tc>
-                <a:tc>
-                  <a:txBody>
-                    <a:bodyPr/>
-                    <a:lstStyle/>
-                    <a:p>
-                      <a:pPr marL="296545" indent="-228600">
-                        <a:lnSpc>
-                          <a:spcPts val="1415"/>
-                        </a:lnSpc>
-                        <a:spcBef>
-                          <a:spcPts val="470"/>
-                        </a:spcBef>
-                        <a:buAutoNum type="arabicPeriod"/>
-                      </a:pPr>
-                      <a:endParaRPr sz="1200" dirty="0">
-                        <a:latin typeface="맑은 고딕"/>
-                        <a:cs typeface="맑은 고딕"/>
-                      </a:endParaRPr>
-                    </a:p>
-                  </a:txBody>
-                  <a:tcPr marL="0" marR="0" marT="59690" marB="0">
-                    <a:lnL w="9525" cap="flat" cmpd="sng" algn="ctr">
-                      <a:solidFill>
-                        <a:srgbClr val="000000"/>
-                      </a:solidFill>
-                      <a:prstDash val="solid"/>
-                      <a:round/>
-                      <a:headEnd type="none" w="med" len="med"/>
-                      <a:tailEnd type="none" w="med" len="med"/>
-                    </a:lnL>
-                    <a:lnR w="9525" cap="flat" cmpd="sng" algn="ctr">
-                      <a:solidFill>
-                        <a:srgbClr val="000000"/>
-                      </a:solidFill>
-                      <a:prstDash val="solid"/>
-                      <a:round/>
-                      <a:headEnd type="none" w="med" len="med"/>
-                      <a:tailEnd type="none" w="med" len="med"/>
-                    </a:lnR>
-                    <a:lnT w="9525" cap="flat" cmpd="sng" algn="ctr">
-                      <a:solidFill>
-                        <a:srgbClr val="000000"/>
-                      </a:solidFill>
-                      <a:prstDash val="solid"/>
-                      <a:round/>
-                      <a:headEnd type="none" w="med" len="med"/>
-                      <a:tailEnd type="none" w="med" len="med"/>
-                    </a:lnT>
-                    <a:lnB w="9525" cap="flat" cmpd="sng" algn="ctr">
-                      <a:solidFill>
-                        <a:srgbClr val="000000"/>
-                      </a:solidFill>
-                      <a:prstDash val="solid"/>
-                      <a:round/>
-                      <a:headEnd type="none" w="med" len="med"/>
-                      <a:tailEnd type="none" w="med" len="med"/>
-                    </a:lnB>
-                  </a:tcPr>
-                </a:tc>
-                <a:tc>
-                  <a:txBody>
-                    <a:bodyPr/>
-                    <a:lstStyle/>
-                    <a:p>
-                      <a:pPr marL="67945" indent="0">
-                        <a:lnSpc>
-                          <a:spcPts val="1415"/>
-                        </a:lnSpc>
-                        <a:spcBef>
-                          <a:spcPts val="470"/>
-                        </a:spcBef>
-                        <a:buNone/>
-                      </a:pPr>
-                      <a:endParaRPr sz="1200" dirty="0">
-                        <a:latin typeface="맑은 고딕"/>
-                        <a:cs typeface="맑은 고딕"/>
-                      </a:endParaRPr>
-                    </a:p>
-                  </a:txBody>
-                  <a:tcPr marL="0" marR="0" marT="59690" marB="0">
-                    <a:lnL w="9525" cap="flat" cmpd="sng" algn="ctr">
-                      <a:solidFill>
-                        <a:srgbClr val="000000"/>
-                      </a:solidFill>
-                      <a:prstDash val="solid"/>
-                      <a:round/>
-                      <a:headEnd type="none" w="med" len="med"/>
-                      <a:tailEnd type="none" w="med" len="med"/>
-                    </a:lnL>
-                    <a:lnR w="9525" cap="flat" cmpd="sng" algn="ctr">
-                      <a:solidFill>
-                        <a:srgbClr val="000000"/>
-                      </a:solidFill>
-                      <a:prstDash val="solid"/>
-                      <a:round/>
-                      <a:headEnd type="none" w="med" len="med"/>
-                      <a:tailEnd type="none" w="med" len="med"/>
-                    </a:lnR>
-                    <a:lnT w="9525" cap="flat" cmpd="sng" algn="ctr">
-                      <a:solidFill>
-                        <a:srgbClr val="000000"/>
-                      </a:solidFill>
-                      <a:prstDash val="solid"/>
-                      <a:round/>
-                      <a:headEnd type="none" w="med" len="med"/>
-                      <a:tailEnd type="none" w="med" len="med"/>
-                    </a:lnT>
-                    <a:lnB w="9525" cap="flat" cmpd="sng" algn="ctr">
-                      <a:solidFill>
-                        <a:srgbClr val="000000"/>
-                      </a:solidFill>
-                      <a:prstDash val="solid"/>
-                      <a:round/>
-                      <a:headEnd type="none" w="med" len="med"/>
-                      <a:tailEnd type="none" w="med" len="med"/>
-                    </a:lnB>
-                  </a:tcPr>
-                </a:tc>
-                <a:extLst>
-                  <a:ext uri="{0D108BD9-81ED-4DB2-BD59-A6C34878D82A}">
-                    <a16:rowId xmlns:a16="http://schemas.microsoft.com/office/drawing/2014/main" val="8957544"/>
-                  </a:ext>
-                </a:extLst>
-              </a:tr>
-              <a:tr h="233329">
-                <a:tc vMerge="1">
-                  <a:txBody>
-                    <a:bodyPr/>
-                    <a:lstStyle/>
-                    <a:p>
-                      <a:pPr latinLnBrk="1"/>
-                      <a:endParaRPr lang="ko-KR" altLang="en-US"/>
-                    </a:p>
-                  </a:txBody>
-                  <a:tcPr/>
-                </a:tc>
-                <a:tc>
-                  <a:txBody>
-                    <a:bodyPr/>
-                    <a:lstStyle/>
-                    <a:p>
-                      <a:pPr marL="296545" indent="-228600">
-                        <a:lnSpc>
-                          <a:spcPts val="1415"/>
-                        </a:lnSpc>
-                        <a:spcBef>
-                          <a:spcPts val="470"/>
-                        </a:spcBef>
-                        <a:buAutoNum type="arabicPeriod"/>
-                      </a:pPr>
-                      <a:endParaRPr sz="1200" dirty="0">
-                        <a:latin typeface="맑은 고딕"/>
-                        <a:cs typeface="맑은 고딕"/>
-                      </a:endParaRPr>
-                    </a:p>
-                  </a:txBody>
-                  <a:tcPr marL="0" marR="0" marT="59690" marB="0">
-                    <a:lnL w="9525" cap="flat" cmpd="sng" algn="ctr">
-                      <a:solidFill>
-                        <a:srgbClr val="000000"/>
-                      </a:solidFill>
-                      <a:prstDash val="solid"/>
-                      <a:round/>
-                      <a:headEnd type="none" w="med" len="med"/>
-                      <a:tailEnd type="none" w="med" len="med"/>
-                    </a:lnL>
-                    <a:lnR w="9525" cap="flat" cmpd="sng" algn="ctr">
-                      <a:solidFill>
-                        <a:srgbClr val="000000"/>
-                      </a:solidFill>
-                      <a:prstDash val="solid"/>
-                      <a:round/>
-                      <a:headEnd type="none" w="med" len="med"/>
-                      <a:tailEnd type="none" w="med" len="med"/>
-                    </a:lnR>
-                    <a:lnT w="9525" cap="flat" cmpd="sng" algn="ctr">
-                      <a:solidFill>
-                        <a:srgbClr val="000000"/>
-                      </a:solidFill>
-                      <a:prstDash val="solid"/>
-                      <a:round/>
-                      <a:headEnd type="none" w="med" len="med"/>
-                      <a:tailEnd type="none" w="med" len="med"/>
-                    </a:lnT>
-                    <a:lnB w="9525">
-                      <a:solidFill>
-                        <a:srgbClr val="000000"/>
-                      </a:solidFill>
-                      <a:prstDash val="solid"/>
-                    </a:lnB>
-                  </a:tcPr>
-                </a:tc>
-                <a:tc>
-                  <a:txBody>
-                    <a:bodyPr/>
-                    <a:lstStyle/>
-                    <a:p>
-                      <a:pPr marL="67945" indent="0">
-                        <a:lnSpc>
-                          <a:spcPts val="1415"/>
-                        </a:lnSpc>
-                        <a:spcBef>
-                          <a:spcPts val="470"/>
-                        </a:spcBef>
-                        <a:buNone/>
-                      </a:pPr>
-                      <a:endParaRPr sz="1200" dirty="0">
-                        <a:latin typeface="맑은 고딕"/>
-                        <a:cs typeface="맑은 고딕"/>
-                      </a:endParaRPr>
-                    </a:p>
-                  </a:txBody>
-                  <a:tcPr marL="0" marR="0" marT="59690" marB="0">
-                    <a:lnL w="9525" cap="flat" cmpd="sng" algn="ctr">
-                      <a:solidFill>
-                        <a:srgbClr val="000000"/>
-                      </a:solidFill>
-                      <a:prstDash val="solid"/>
-                      <a:round/>
-                      <a:headEnd type="none" w="med" len="med"/>
-                      <a:tailEnd type="none" w="med" len="med"/>
-                    </a:lnL>
-                    <a:lnR w="9525" cap="flat" cmpd="sng" algn="ctr">
-                      <a:solidFill>
-                        <a:srgbClr val="000000"/>
-                      </a:solidFill>
-                      <a:prstDash val="solid"/>
-                      <a:round/>
-                      <a:headEnd type="none" w="med" len="med"/>
-                      <a:tailEnd type="none" w="med" len="med"/>
-                    </a:lnR>
-                    <a:lnT w="9525" cap="flat" cmpd="sng" algn="ctr">
-                      <a:solidFill>
-                        <a:srgbClr val="000000"/>
-                      </a:solidFill>
-                      <a:prstDash val="solid"/>
-                      <a:round/>
-                      <a:headEnd type="none" w="med" len="med"/>
-                      <a:tailEnd type="none" w="med" len="med"/>
-                    </a:lnT>
-                    <a:lnB w="9525" cap="flat" cmpd="sng" algn="ctr">
-                      <a:solidFill>
-                        <a:srgbClr val="000000"/>
-                      </a:solidFill>
-                      <a:prstDash val="solid"/>
-                      <a:round/>
-                      <a:headEnd type="none" w="med" len="med"/>
-                      <a:tailEnd type="none" w="med" len="med"/>
-                    </a:lnB>
-                  </a:tcPr>
-                </a:tc>
-                <a:extLst>
-                  <a:ext uri="{0D108BD9-81ED-4DB2-BD59-A6C34878D82A}">
-                    <a16:rowId xmlns:a16="http://schemas.microsoft.com/office/drawing/2014/main" val="1669701264"/>
                   </a:ext>
                 </a:extLst>
               </a:tr>

--- a/01_요구사항 실습/SW 요구사항 분석 및 설계_6조.pptx
+++ b/01_요구사항 실습/SW 요구사항 분석 및 설계_6조.pptx
@@ -16473,7 +16473,7 @@
           <p:nvPr>
             <p:extLst>
               <p:ext uri="{D42A27DB-BD31-4B8C-83A1-F6EECF244321}">
-                <p14:modId xmlns:p14="http://schemas.microsoft.com/office/powerpoint/2010/main" val="353815268"/>
+                <p14:modId xmlns:p14="http://schemas.microsoft.com/office/powerpoint/2010/main" val="2743663651"/>
               </p:ext>
             </p:extLst>
           </p:nvPr>
@@ -17776,18 +17776,12 @@
                         <a:t>1A. </a:t>
                       </a:r>
                       <a:r>
-                        <a:rPr lang="ko-KR" altLang="en-US" sz="1200" dirty="0">
-                          <a:latin typeface="맑은 고딕"/>
-                          <a:cs typeface="맑은 고딕"/>
-                        </a:rPr>
-                        <a:t>시스템은 전원을 인가하고</a:t>
+                        <a:rPr lang="ko-KR" altLang="en-US" sz="1200" dirty="0"/>
+                        <a:t>시스템이 요청을 인지한다</a:t>
                       </a:r>
                       <a:r>
-                        <a:rPr lang="en-US" altLang="ko-KR" sz="1200">
-                          <a:latin typeface="맑은 고딕"/>
-                          <a:cs typeface="맑은 고딕"/>
-                        </a:rPr>
-                        <a:t>…</a:t>
+                        <a:rPr lang="en-US" altLang="ko-KR" sz="1200" dirty="0"/>
+                        <a:t>.</a:t>
                       </a:r>
                       <a:endParaRPr sz="1200" dirty="0">
                         <a:latin typeface="맑은 고딕"/>
@@ -18924,7 +18918,7 @@
                         <a:t>문 제어 시스템에 결과를 전송한다</a:t>
                       </a:r>
                       <a:r>
-                        <a:rPr lang="en-US" altLang="ko-KR" sz="1200"/>
+                        <a:rPr lang="en-US" altLang="ko-KR" sz="1200" dirty="0"/>
                         <a:t>.</a:t>
                       </a:r>
                       <a:endParaRPr sz="1200" dirty="0">

--- a/01_요구사항 실습/SW 요구사항 분석 및 설계_6조.pptx
+++ b/01_요구사항 실습/SW 요구사항 분석 및 설계_6조.pptx
@@ -5,10 +5,10 @@
     <p:sldMasterId id="2147483719" r:id="rId1"/>
   </p:sldMasterIdLst>
   <p:notesMasterIdLst>
-    <p:notesMasterId r:id="rId11"/>
+    <p:notesMasterId r:id="rId12"/>
   </p:notesMasterIdLst>
   <p:handoutMasterIdLst>
-    <p:handoutMasterId r:id="rId12"/>
+    <p:handoutMasterId r:id="rId13"/>
   </p:handoutMasterIdLst>
   <p:sldIdLst>
     <p:sldId id="2076136653" r:id="rId2"/>
@@ -17,9 +17,10 @@
     <p:sldId id="2076136654" r:id="rId5"/>
     <p:sldId id="2076136655" r:id="rId6"/>
     <p:sldId id="2076136656" r:id="rId7"/>
-    <p:sldId id="2076136657" r:id="rId8"/>
-    <p:sldId id="2076136658" r:id="rId9"/>
-    <p:sldId id="2076136659" r:id="rId10"/>
+    <p:sldId id="2076136660" r:id="rId8"/>
+    <p:sldId id="2076136657" r:id="rId9"/>
+    <p:sldId id="2076136658" r:id="rId10"/>
+    <p:sldId id="2076136659" r:id="rId11"/>
   </p:sldIdLst>
   <p:sldSz cx="12192000" cy="6858000"/>
   <p:notesSz cx="6797675" cy="9926638"/>
@@ -15231,6 +15232,93 @@
 </p:sld>
 </file>
 
+<file path=ppt/slides/slide10.xml><?xml version="1.0" encoding="utf-8"?>
+<p:sld xmlns:a="http://schemas.openxmlformats.org/drawingml/2006/main" xmlns:r="http://schemas.openxmlformats.org/officeDocument/2006/relationships" xmlns:p="http://schemas.openxmlformats.org/presentationml/2006/main">
+  <p:cSld>
+    <p:spTree>
+      <p:nvGrpSpPr>
+        <p:cNvPr id="1" name=""/>
+        <p:cNvGrpSpPr/>
+        <p:nvPr/>
+      </p:nvGrpSpPr>
+      <p:grpSpPr>
+        <a:xfrm>
+          <a:off x="0" y="0"/>
+          <a:ext cx="0" cy="0"/>
+          <a:chOff x="0" y="0"/>
+          <a:chExt cx="0" cy="0"/>
+        </a:xfrm>
+      </p:grpSpPr>
+      <p:sp>
+        <p:nvSpPr>
+          <p:cNvPr id="2" name="제목 1">
+            <a:extLst>
+              <a:ext uri="{FF2B5EF4-FFF2-40B4-BE49-F238E27FC236}">
+                <a16:creationId xmlns:a16="http://schemas.microsoft.com/office/drawing/2014/main" id="{8415BE52-74A9-6CE6-241C-41221B52733B}"/>
+              </a:ext>
+            </a:extLst>
+          </p:cNvPr>
+          <p:cNvSpPr>
+            <a:spLocks noGrp="1"/>
+          </p:cNvSpPr>
+          <p:nvPr>
+            <p:ph type="title"/>
+          </p:nvPr>
+        </p:nvSpPr>
+        <p:spPr/>
+        <p:txBody>
+          <a:bodyPr/>
+          <a:lstStyle/>
+          <a:p>
+            <a:r>
+              <a:rPr lang="en-US" altLang="ko-KR" dirty="0"/>
+              <a:t>7. </a:t>
+            </a:r>
+            <a:r>
+              <a:rPr lang="ko-KR" altLang="en-US" dirty="0"/>
+              <a:t>요구사항 검토 결과</a:t>
+            </a:r>
+          </a:p>
+        </p:txBody>
+      </p:sp>
+      <p:sp>
+        <p:nvSpPr>
+          <p:cNvPr id="3" name="텍스트 개체 틀 2">
+            <a:extLst>
+              <a:ext uri="{FF2B5EF4-FFF2-40B4-BE49-F238E27FC236}">
+                <a16:creationId xmlns:a16="http://schemas.microsoft.com/office/drawing/2014/main" id="{DA30BADA-989E-6918-B592-3555A2D1C1A3}"/>
+              </a:ext>
+            </a:extLst>
+          </p:cNvPr>
+          <p:cNvSpPr>
+            <a:spLocks noGrp="1"/>
+          </p:cNvSpPr>
+          <p:nvPr>
+            <p:ph type="body" sz="quarter" idx="10"/>
+          </p:nvPr>
+        </p:nvSpPr>
+        <p:spPr/>
+        <p:txBody>
+          <a:bodyPr/>
+          <a:lstStyle/>
+          <a:p>
+            <a:endParaRPr lang="ko-KR" altLang="en-US"/>
+          </a:p>
+        </p:txBody>
+      </p:sp>
+    </p:spTree>
+    <p:extLst>
+      <p:ext uri="{BB962C8B-B14F-4D97-AF65-F5344CB8AC3E}">
+        <p14:creationId xmlns:p14="http://schemas.microsoft.com/office/powerpoint/2010/main" val="2126507577"/>
+      </p:ext>
+    </p:extLst>
+  </p:cSld>
+  <p:clrMapOvr>
+    <a:masterClrMapping/>
+  </p:clrMapOvr>
+</p:sld>
+</file>
+
 <file path=ppt/slides/slide2.xml><?xml version="1.0" encoding="utf-8"?>
 <p:sld xmlns:a="http://schemas.openxmlformats.org/drawingml/2006/main" xmlns:r="http://schemas.openxmlformats.org/officeDocument/2006/relationships" xmlns:p="http://schemas.openxmlformats.org/presentationml/2006/main">
   <p:cSld>
@@ -19053,6 +19141,123 @@
   <p:cSld>
     <p:spTree>
       <p:nvGrpSpPr>
+        <p:cNvPr id="1" name="">
+          <a:extLst>
+            <a:ext uri="{FF2B5EF4-FFF2-40B4-BE49-F238E27FC236}">
+              <a16:creationId xmlns:a16="http://schemas.microsoft.com/office/drawing/2014/main" id="{DC453E6F-CDD2-EEDA-940C-D09D604025A4}"/>
+            </a:ext>
+          </a:extLst>
+        </p:cNvPr>
+        <p:cNvGrpSpPr/>
+        <p:nvPr/>
+      </p:nvGrpSpPr>
+      <p:grpSpPr>
+        <a:xfrm>
+          <a:off x="0" y="0"/>
+          <a:ext cx="0" cy="0"/>
+          <a:chOff x="0" y="0"/>
+          <a:chExt cx="0" cy="0"/>
+        </a:xfrm>
+      </p:grpSpPr>
+      <p:sp>
+        <p:nvSpPr>
+          <p:cNvPr id="2" name="제목 1">
+            <a:extLst>
+              <a:ext uri="{FF2B5EF4-FFF2-40B4-BE49-F238E27FC236}">
+                <a16:creationId xmlns:a16="http://schemas.microsoft.com/office/drawing/2014/main" id="{514B7C0F-3C7E-8961-4FBC-0DE82080B854}"/>
+              </a:ext>
+            </a:extLst>
+          </p:cNvPr>
+          <p:cNvSpPr>
+            <a:spLocks noGrp="1"/>
+          </p:cNvSpPr>
+          <p:nvPr>
+            <p:ph type="title"/>
+          </p:nvPr>
+        </p:nvSpPr>
+        <p:spPr/>
+        <p:txBody>
+          <a:bodyPr/>
+          <a:lstStyle/>
+          <a:p>
+            <a:r>
+              <a:rPr lang="en-US" altLang="ko-KR" dirty="0"/>
+              <a:t>4. </a:t>
+            </a:r>
+            <a:r>
+              <a:rPr lang="ko-KR" altLang="en-US" dirty="0"/>
+              <a:t>기능</a:t>
+            </a:r>
+            <a:r>
+              <a:rPr lang="en-US" altLang="ko-KR" dirty="0"/>
+              <a:t> </a:t>
+            </a:r>
+            <a:r>
+              <a:rPr lang="ko-KR" altLang="en-US" dirty="0"/>
+              <a:t>요구사항 명세 </a:t>
+            </a:r>
+            <a:r>
+              <a:rPr lang="en-US" altLang="ko-KR" dirty="0"/>
+              <a:t>: Sequence Diagram</a:t>
+            </a:r>
+            <a:endParaRPr lang="ko-KR" altLang="en-US" dirty="0"/>
+          </a:p>
+        </p:txBody>
+      </p:sp>
+      <p:pic>
+        <p:nvPicPr>
+          <p:cNvPr id="5" name="그림 4">
+            <a:extLst>
+              <a:ext uri="{FF2B5EF4-FFF2-40B4-BE49-F238E27FC236}">
+                <a16:creationId xmlns:a16="http://schemas.microsoft.com/office/drawing/2014/main" id="{ABCD4C57-53E5-ACF1-8B58-8C15AD10066F}"/>
+              </a:ext>
+            </a:extLst>
+          </p:cNvPr>
+          <p:cNvPicPr>
+            <a:picLocks noChangeAspect="1"/>
+          </p:cNvPicPr>
+          <p:nvPr/>
+        </p:nvPicPr>
+        <p:blipFill>
+          <a:blip r:embed="rId2">
+            <a:extLst>
+              <a:ext uri="{28A0092B-C50C-407E-A947-70E740481C1C}">
+                <a14:useLocalDpi xmlns:a14="http://schemas.microsoft.com/office/drawing/2010/main" val="0"/>
+              </a:ext>
+            </a:extLst>
+          </a:blip>
+          <a:stretch>
+            <a:fillRect/>
+          </a:stretch>
+        </p:blipFill>
+        <p:spPr>
+          <a:xfrm>
+            <a:off x="947852" y="2302239"/>
+            <a:ext cx="10547501" cy="1158850"/>
+          </a:xfrm>
+          <a:prstGeom prst="rect">
+            <a:avLst/>
+          </a:prstGeom>
+        </p:spPr>
+      </p:pic>
+    </p:spTree>
+    <p:extLst>
+      <p:ext uri="{BB962C8B-B14F-4D97-AF65-F5344CB8AC3E}">
+        <p14:creationId xmlns:p14="http://schemas.microsoft.com/office/powerpoint/2010/main" val="587062947"/>
+      </p:ext>
+    </p:extLst>
+  </p:cSld>
+  <p:clrMapOvr>
+    <a:masterClrMapping/>
+  </p:clrMapOvr>
+</p:sld>
+</file>
+
+<file path=ppt/slides/slide8.xml><?xml version="1.0" encoding="utf-8"?>
+<p:sld xmlns:a="http://schemas.openxmlformats.org/drawingml/2006/main" xmlns:r="http://schemas.openxmlformats.org/officeDocument/2006/relationships" xmlns:p="http://schemas.openxmlformats.org/presentationml/2006/main">
+  <p:cSld>
+    <p:spTree>
+      <p:nvGrpSpPr>
         <p:cNvPr id="1" name=""/>
         <p:cNvGrpSpPr/>
         <p:nvPr/>
@@ -19734,7 +19939,7 @@
 </p:sld>
 </file>
 
-<file path=ppt/slides/slide8.xml><?xml version="1.0" encoding="utf-8"?>
+<file path=ppt/slides/slide9.xml><?xml version="1.0" encoding="utf-8"?>
 <p:sld xmlns:a="http://schemas.openxmlformats.org/drawingml/2006/main" xmlns:r="http://schemas.openxmlformats.org/officeDocument/2006/relationships" xmlns:p="http://schemas.openxmlformats.org/presentationml/2006/main">
   <p:cSld>
     <p:spTree>
@@ -19812,93 +20017,6 @@
     <p:extLst>
       <p:ext uri="{BB962C8B-B14F-4D97-AF65-F5344CB8AC3E}">
         <p14:creationId xmlns:p14="http://schemas.microsoft.com/office/powerpoint/2010/main" val="836117145"/>
-      </p:ext>
-    </p:extLst>
-  </p:cSld>
-  <p:clrMapOvr>
-    <a:masterClrMapping/>
-  </p:clrMapOvr>
-</p:sld>
-</file>
-
-<file path=ppt/slides/slide9.xml><?xml version="1.0" encoding="utf-8"?>
-<p:sld xmlns:a="http://schemas.openxmlformats.org/drawingml/2006/main" xmlns:r="http://schemas.openxmlformats.org/officeDocument/2006/relationships" xmlns:p="http://schemas.openxmlformats.org/presentationml/2006/main">
-  <p:cSld>
-    <p:spTree>
-      <p:nvGrpSpPr>
-        <p:cNvPr id="1" name=""/>
-        <p:cNvGrpSpPr/>
-        <p:nvPr/>
-      </p:nvGrpSpPr>
-      <p:grpSpPr>
-        <a:xfrm>
-          <a:off x="0" y="0"/>
-          <a:ext cx="0" cy="0"/>
-          <a:chOff x="0" y="0"/>
-          <a:chExt cx="0" cy="0"/>
-        </a:xfrm>
-      </p:grpSpPr>
-      <p:sp>
-        <p:nvSpPr>
-          <p:cNvPr id="2" name="제목 1">
-            <a:extLst>
-              <a:ext uri="{FF2B5EF4-FFF2-40B4-BE49-F238E27FC236}">
-                <a16:creationId xmlns:a16="http://schemas.microsoft.com/office/drawing/2014/main" id="{8415BE52-74A9-6CE6-241C-41221B52733B}"/>
-              </a:ext>
-            </a:extLst>
-          </p:cNvPr>
-          <p:cNvSpPr>
-            <a:spLocks noGrp="1"/>
-          </p:cNvSpPr>
-          <p:nvPr>
-            <p:ph type="title"/>
-          </p:nvPr>
-        </p:nvSpPr>
-        <p:spPr/>
-        <p:txBody>
-          <a:bodyPr/>
-          <a:lstStyle/>
-          <a:p>
-            <a:r>
-              <a:rPr lang="en-US" altLang="ko-KR" dirty="0"/>
-              <a:t>7. </a:t>
-            </a:r>
-            <a:r>
-              <a:rPr lang="ko-KR" altLang="en-US" dirty="0"/>
-              <a:t>요구사항 검토 결과</a:t>
-            </a:r>
-          </a:p>
-        </p:txBody>
-      </p:sp>
-      <p:sp>
-        <p:nvSpPr>
-          <p:cNvPr id="3" name="텍스트 개체 틀 2">
-            <a:extLst>
-              <a:ext uri="{FF2B5EF4-FFF2-40B4-BE49-F238E27FC236}">
-                <a16:creationId xmlns:a16="http://schemas.microsoft.com/office/drawing/2014/main" id="{DA30BADA-989E-6918-B592-3555A2D1C1A3}"/>
-              </a:ext>
-            </a:extLst>
-          </p:cNvPr>
-          <p:cNvSpPr>
-            <a:spLocks noGrp="1"/>
-          </p:cNvSpPr>
-          <p:nvPr>
-            <p:ph type="body" sz="quarter" idx="10"/>
-          </p:nvPr>
-        </p:nvSpPr>
-        <p:spPr/>
-        <p:txBody>
-          <a:bodyPr/>
-          <a:lstStyle/>
-          <a:p>
-            <a:endParaRPr lang="ko-KR" altLang="en-US"/>
-          </a:p>
-        </p:txBody>
-      </p:sp>
-    </p:spTree>
-    <p:extLst>
-      <p:ext uri="{BB962C8B-B14F-4D97-AF65-F5344CB8AC3E}">
-        <p14:creationId xmlns:p14="http://schemas.microsoft.com/office/powerpoint/2010/main" val="2126507577"/>
       </p:ext>
     </p:extLst>
   </p:cSld>

--- a/01_요구사항 실습/SW 요구사항 분석 및 설계_6조.pptx
+++ b/01_요구사항 실습/SW 요구사항 분석 및 설계_6조.pptx
@@ -19206,10 +19206,10 @@
       </p:sp>
       <p:pic>
         <p:nvPicPr>
-          <p:cNvPr id="5" name="그림 4">
+          <p:cNvPr id="4" name="그림 3" descr="도표, 텍스트, 평행, 평면도이(가) 표시된 사진&#10;&#10;AI가 생성한 콘텐츠는 부정확할 수 있습니다.">
             <a:extLst>
               <a:ext uri="{FF2B5EF4-FFF2-40B4-BE49-F238E27FC236}">
-                <a16:creationId xmlns:a16="http://schemas.microsoft.com/office/drawing/2014/main" id="{ABCD4C57-53E5-ACF1-8B58-8C15AD10066F}"/>
+                <a16:creationId xmlns:a16="http://schemas.microsoft.com/office/drawing/2014/main" id="{5ABF4D25-D355-947C-0AD3-E65612633093}"/>
               </a:ext>
             </a:extLst>
           </p:cNvPr>
@@ -19232,8 +19232,8 @@
         </p:blipFill>
         <p:spPr>
           <a:xfrm>
-            <a:off x="947852" y="2302239"/>
-            <a:ext cx="10547501" cy="1158850"/>
+            <a:off x="1860119" y="1168842"/>
+            <a:ext cx="7772400" cy="4762988"/>
           </a:xfrm>
           <a:prstGeom prst="rect">
             <a:avLst/>
